--- a/Documentação/Slide.pptx
+++ b/Documentação/Slide.pptx
@@ -9,7 +9,9 @@
     <p:sldId id="257" r:id="rId3"/>
     <p:sldId id="259" r:id="rId4"/>
     <p:sldId id="261" r:id="rId5"/>
-    <p:sldId id="258" r:id="rId6"/>
+    <p:sldId id="262" r:id="rId6"/>
+    <p:sldId id="263" r:id="rId7"/>
+    <p:sldId id="258" r:id="rId8"/>
   </p:sldIdLst>
   <p:sldSz cx="12192000" cy="6858000"/>
   <p:notesSz cx="6858000" cy="9144000"/>
@@ -108,6 +110,11 @@
       </a:defRPr>
     </a:lvl9pPr>
   </p:defaultTextStyle>
+  <p:extLst>
+    <p:ext uri="{EFAFB233-063F-42B5-8137-9DF3F51BA10A}">
+      <p15:sldGuideLst xmlns:p15="http://schemas.microsoft.com/office/powerpoint/2012/main"/>
+    </p:ext>
+  </p:extLst>
 </p:presentation>
 </file>
 
@@ -260,7 +267,7 @@
           <a:p>
             <a:fld id="{5099EE67-955F-43ED-AE7A-F00040DCF7F9}" type="datetimeFigureOut">
               <a:rPr lang="en-US" smtClean="0"/>
-              <a:t>5/30/2021</a:t>
+              <a:t>5/31/2021</a:t>
             </a:fld>
             <a:endParaRPr lang="en-US"/>
           </a:p>
@@ -460,7 +467,7 @@
           <a:p>
             <a:fld id="{5099EE67-955F-43ED-AE7A-F00040DCF7F9}" type="datetimeFigureOut">
               <a:rPr lang="en-US" smtClean="0"/>
-              <a:t>5/30/2021</a:t>
+              <a:t>5/31/2021</a:t>
             </a:fld>
             <a:endParaRPr lang="en-US"/>
           </a:p>
@@ -670,7 +677,7 @@
           <a:p>
             <a:fld id="{5099EE67-955F-43ED-AE7A-F00040DCF7F9}" type="datetimeFigureOut">
               <a:rPr lang="en-US" smtClean="0"/>
-              <a:t>5/30/2021</a:t>
+              <a:t>5/31/2021</a:t>
             </a:fld>
             <a:endParaRPr lang="en-US"/>
           </a:p>
@@ -870,7 +877,7 @@
           <a:p>
             <a:fld id="{5099EE67-955F-43ED-AE7A-F00040DCF7F9}" type="datetimeFigureOut">
               <a:rPr lang="en-US" smtClean="0"/>
-              <a:t>5/30/2021</a:t>
+              <a:t>5/31/2021</a:t>
             </a:fld>
             <a:endParaRPr lang="en-US"/>
           </a:p>
@@ -1146,7 +1153,7 @@
           <a:p>
             <a:fld id="{5099EE67-955F-43ED-AE7A-F00040DCF7F9}" type="datetimeFigureOut">
               <a:rPr lang="en-US" smtClean="0"/>
-              <a:t>5/30/2021</a:t>
+              <a:t>5/31/2021</a:t>
             </a:fld>
             <a:endParaRPr lang="en-US"/>
           </a:p>
@@ -1414,7 +1421,7 @@
           <a:p>
             <a:fld id="{5099EE67-955F-43ED-AE7A-F00040DCF7F9}" type="datetimeFigureOut">
               <a:rPr lang="en-US" smtClean="0"/>
-              <a:t>5/30/2021</a:t>
+              <a:t>5/31/2021</a:t>
             </a:fld>
             <a:endParaRPr lang="en-US"/>
           </a:p>
@@ -1829,7 +1836,7 @@
           <a:p>
             <a:fld id="{5099EE67-955F-43ED-AE7A-F00040DCF7F9}" type="datetimeFigureOut">
               <a:rPr lang="en-US" smtClean="0"/>
-              <a:t>5/30/2021</a:t>
+              <a:t>5/31/2021</a:t>
             </a:fld>
             <a:endParaRPr lang="en-US"/>
           </a:p>
@@ -1971,7 +1978,7 @@
           <a:p>
             <a:fld id="{5099EE67-955F-43ED-AE7A-F00040DCF7F9}" type="datetimeFigureOut">
               <a:rPr lang="en-US" smtClean="0"/>
-              <a:t>5/30/2021</a:t>
+              <a:t>5/31/2021</a:t>
             </a:fld>
             <a:endParaRPr lang="en-US"/>
           </a:p>
@@ -2084,7 +2091,7 @@
           <a:p>
             <a:fld id="{5099EE67-955F-43ED-AE7A-F00040DCF7F9}" type="datetimeFigureOut">
               <a:rPr lang="en-US" smtClean="0"/>
-              <a:t>5/30/2021</a:t>
+              <a:t>5/31/2021</a:t>
             </a:fld>
             <a:endParaRPr lang="en-US"/>
           </a:p>
@@ -2397,7 +2404,7 @@
           <a:p>
             <a:fld id="{5099EE67-955F-43ED-AE7A-F00040DCF7F9}" type="datetimeFigureOut">
               <a:rPr lang="en-US" smtClean="0"/>
-              <a:t>5/30/2021</a:t>
+              <a:t>5/31/2021</a:t>
             </a:fld>
             <a:endParaRPr lang="en-US"/>
           </a:p>
@@ -2686,7 +2693,7 @@
           <a:p>
             <a:fld id="{5099EE67-955F-43ED-AE7A-F00040DCF7F9}" type="datetimeFigureOut">
               <a:rPr lang="en-US" smtClean="0"/>
-              <a:t>5/30/2021</a:t>
+              <a:t>5/31/2021</a:t>
             </a:fld>
             <a:endParaRPr lang="en-US"/>
           </a:p>
@@ -2929,7 +2936,7 @@
           <a:p>
             <a:fld id="{5099EE67-955F-43ED-AE7A-F00040DCF7F9}" type="datetimeFigureOut">
               <a:rPr lang="en-US" smtClean="0"/>
-              <a:t>5/30/2021</a:t>
+              <a:t>5/31/2021</a:t>
             </a:fld>
             <a:endParaRPr lang="en-US"/>
           </a:p>
@@ -3943,7 +3950,7 @@
     <p:bg>
       <p:bgPr>
         <a:solidFill>
-          <a:schemeClr val="tx1"/>
+          <a:srgbClr val="1E2328"/>
         </a:solidFill>
         <a:effectLst/>
       </p:bgPr>
@@ -3991,7 +3998,7 @@
             <a:avLst/>
           </a:prstGeom>
           <a:solidFill>
-            <a:schemeClr val="tx1"/>
+            <a:srgbClr val="1E2328"/>
           </a:solidFill>
         </p:spPr>
       </p:pic>
@@ -4005,10 +4012,550 @@
   <p:clrMapOvr>
     <a:masterClrMapping/>
   </p:clrMapOvr>
+  <p:timing>
+    <p:tnLst>
+      <p:par>
+        <p:cTn id="1" dur="indefinite" restart="never" nodeType="tmRoot">
+          <p:childTnLst>
+            <p:seq concurrent="1" nextAc="seek">
+              <p:cTn id="2" dur="indefinite" nodeType="mainSeq">
+                <p:childTnLst>
+                  <p:par>
+                    <p:cTn id="3" fill="hold">
+                      <p:stCondLst>
+                        <p:cond delay="indefinite"/>
+                        <p:cond evt="onBegin" delay="0">
+                          <p:tn val="2"/>
+                        </p:cond>
+                      </p:stCondLst>
+                      <p:childTnLst>
+                        <p:par>
+                          <p:cTn id="4" fill="hold">
+                            <p:stCondLst>
+                              <p:cond delay="0"/>
+                            </p:stCondLst>
+                            <p:childTnLst>
+                              <p:par>
+                                <p:cTn id="5" presetID="42" presetClass="entr" presetSubtype="0" fill="hold" nodeType="withEffect">
+                                  <p:stCondLst>
+                                    <p:cond delay="0"/>
+                                  </p:stCondLst>
+                                  <p:childTnLst>
+                                    <p:set>
+                                      <p:cBhvr>
+                                        <p:cTn id="6" dur="1" fill="hold">
+                                          <p:stCondLst>
+                                            <p:cond delay="0"/>
+                                          </p:stCondLst>
+                                        </p:cTn>
+                                        <p:tgtEl>
+                                          <p:spTgt spid="3"/>
+                                        </p:tgtEl>
+                                        <p:attrNameLst>
+                                          <p:attrName>style.visibility</p:attrName>
+                                        </p:attrNameLst>
+                                      </p:cBhvr>
+                                      <p:to>
+                                        <p:strVal val="visible"/>
+                                      </p:to>
+                                    </p:set>
+                                    <p:animEffect transition="in" filter="fade">
+                                      <p:cBhvr>
+                                        <p:cTn id="7" dur="1000"/>
+                                        <p:tgtEl>
+                                          <p:spTgt spid="3"/>
+                                        </p:tgtEl>
+                                      </p:cBhvr>
+                                    </p:animEffect>
+                                    <p:anim calcmode="lin" valueType="num">
+                                      <p:cBhvr>
+                                        <p:cTn id="8" dur="1000" fill="hold"/>
+                                        <p:tgtEl>
+                                          <p:spTgt spid="3"/>
+                                        </p:tgtEl>
+                                        <p:attrNameLst>
+                                          <p:attrName>ppt_x</p:attrName>
+                                        </p:attrNameLst>
+                                      </p:cBhvr>
+                                      <p:tavLst>
+                                        <p:tav tm="0">
+                                          <p:val>
+                                            <p:strVal val="#ppt_x"/>
+                                          </p:val>
+                                        </p:tav>
+                                        <p:tav tm="100000">
+                                          <p:val>
+                                            <p:strVal val="#ppt_x"/>
+                                          </p:val>
+                                        </p:tav>
+                                      </p:tavLst>
+                                    </p:anim>
+                                    <p:anim calcmode="lin" valueType="num">
+                                      <p:cBhvr>
+                                        <p:cTn id="9" dur="1000" fill="hold"/>
+                                        <p:tgtEl>
+                                          <p:spTgt spid="3"/>
+                                        </p:tgtEl>
+                                        <p:attrNameLst>
+                                          <p:attrName>ppt_y</p:attrName>
+                                        </p:attrNameLst>
+                                      </p:cBhvr>
+                                      <p:tavLst>
+                                        <p:tav tm="0">
+                                          <p:val>
+                                            <p:strVal val="#ppt_y+.1"/>
+                                          </p:val>
+                                        </p:tav>
+                                        <p:tav tm="100000">
+                                          <p:val>
+                                            <p:strVal val="#ppt_y"/>
+                                          </p:val>
+                                        </p:tav>
+                                      </p:tavLst>
+                                    </p:anim>
+                                  </p:childTnLst>
+                                </p:cTn>
+                              </p:par>
+                            </p:childTnLst>
+                          </p:cTn>
+                        </p:par>
+                      </p:childTnLst>
+                    </p:cTn>
+                  </p:par>
+                </p:childTnLst>
+              </p:cTn>
+              <p:prevCondLst>
+                <p:cond evt="onPrev" delay="0">
+                  <p:tgtEl>
+                    <p:sldTgt/>
+                  </p:tgtEl>
+                </p:cond>
+              </p:prevCondLst>
+              <p:nextCondLst>
+                <p:cond evt="onNext" delay="0">
+                  <p:tgtEl>
+                    <p:sldTgt/>
+                  </p:tgtEl>
+                </p:cond>
+              </p:nextCondLst>
+            </p:seq>
+          </p:childTnLst>
+        </p:cTn>
+      </p:par>
+    </p:tnLst>
+  </p:timing>
 </p:sld>
 </file>
 
 <file path=ppt/slides/slide5.xml><?xml version="1.0" encoding="utf-8"?>
+<p:sld xmlns:a="http://schemas.openxmlformats.org/drawingml/2006/main" xmlns:r="http://schemas.openxmlformats.org/officeDocument/2006/relationships" xmlns:p="http://schemas.openxmlformats.org/presentationml/2006/main">
+  <p:cSld>
+    <p:bg>
+      <p:bgPr>
+        <a:solidFill>
+          <a:srgbClr val="212322"/>
+        </a:solidFill>
+        <a:effectLst/>
+      </p:bgPr>
+    </p:bg>
+    <p:spTree>
+      <p:nvGrpSpPr>
+        <p:cNvPr id="1" name=""/>
+        <p:cNvGrpSpPr/>
+        <p:nvPr/>
+      </p:nvGrpSpPr>
+      <p:grpSpPr>
+        <a:xfrm>
+          <a:off x="0" y="0"/>
+          <a:ext cx="0" cy="0"/>
+          <a:chOff x="0" y="0"/>
+          <a:chExt cx="0" cy="0"/>
+        </a:xfrm>
+      </p:grpSpPr>
+      <p:sp>
+        <p:nvSpPr>
+          <p:cNvPr id="5" name="CaixaDeTexto 4">
+            <a:extLst>
+              <a:ext uri="{FF2B5EF4-FFF2-40B4-BE49-F238E27FC236}">
+                <a16:creationId xmlns:a16="http://schemas.microsoft.com/office/drawing/2014/main" id="{D27644B0-B93D-489B-BB28-0210083A35AE}"/>
+              </a:ext>
+            </a:extLst>
+          </p:cNvPr>
+          <p:cNvSpPr txBox="1"/>
+          <p:nvPr/>
+        </p:nvSpPr>
+        <p:spPr>
+          <a:xfrm>
+            <a:off x="4535170" y="139730"/>
+            <a:ext cx="3121660" cy="1569660"/>
+          </a:xfrm>
+          <a:prstGeom prst="rect">
+            <a:avLst/>
+          </a:prstGeom>
+          <a:noFill/>
+        </p:spPr>
+        <p:txBody>
+          <a:bodyPr wrap="square" rtlCol="0">
+            <a:spAutoFit/>
+          </a:bodyPr>
+          <a:lstStyle/>
+          <a:p>
+            <a:r>
+              <a:rPr lang="en-US" sz="9600" dirty="0">
+                <a:solidFill>
+                  <a:schemeClr val="bg1"/>
+                </a:solidFill>
+                <a:latin typeface="AvenirNext LT Pro Bold" panose="020B0804020202020204" pitchFamily="34" charset="0"/>
+                <a:cs typeface="Avenir Book" panose="020B0503020203020204" pitchFamily="34" charset="-78"/>
+              </a:rPr>
+              <a:t>HLD</a:t>
+            </a:r>
+          </a:p>
+        </p:txBody>
+      </p:sp>
+      <p:pic>
+        <p:nvPicPr>
+          <p:cNvPr id="6" name="Imagem 5">
+            <a:extLst>
+              <a:ext uri="{FF2B5EF4-FFF2-40B4-BE49-F238E27FC236}">
+                <a16:creationId xmlns:a16="http://schemas.microsoft.com/office/drawing/2014/main" id="{8982B511-8D25-4EA2-9F5C-6B51DA7BCD75}"/>
+              </a:ext>
+            </a:extLst>
+          </p:cNvPr>
+          <p:cNvPicPr>
+            <a:picLocks noChangeAspect="1"/>
+          </p:cNvPicPr>
+          <p:nvPr/>
+        </p:nvPicPr>
+        <p:blipFill>
+          <a:blip r:embed="rId2">
+            <a:extLst>
+              <a:ext uri="{28A0092B-C50C-407E-A947-70E740481C1C}">
+                <a14:useLocalDpi xmlns:a14="http://schemas.microsoft.com/office/drawing/2010/main" val="0"/>
+              </a:ext>
+            </a:extLst>
+          </a:blip>
+          <a:stretch>
+            <a:fillRect/>
+          </a:stretch>
+        </p:blipFill>
+        <p:spPr>
+          <a:xfrm>
+            <a:off x="2546231" y="1709390"/>
+            <a:ext cx="7099537" cy="4978400"/>
+          </a:xfrm>
+          <a:prstGeom prst="rect">
+            <a:avLst/>
+          </a:prstGeom>
+        </p:spPr>
+      </p:pic>
+    </p:spTree>
+    <p:extLst>
+      <p:ext uri="{BB962C8B-B14F-4D97-AF65-F5344CB8AC3E}">
+        <p14:creationId xmlns:p14="http://schemas.microsoft.com/office/powerpoint/2010/main" val="3839825900"/>
+      </p:ext>
+    </p:extLst>
+  </p:cSld>
+  <p:clrMapOvr>
+    <a:masterClrMapping/>
+  </p:clrMapOvr>
+  <p:timing>
+    <p:tnLst>
+      <p:par>
+        <p:cTn id="1" dur="indefinite" restart="never" nodeType="tmRoot">
+          <p:childTnLst>
+            <p:seq concurrent="1" nextAc="seek">
+              <p:cTn id="2" dur="indefinite" nodeType="mainSeq">
+                <p:childTnLst>
+                  <p:par>
+                    <p:cTn id="3" fill="hold">
+                      <p:stCondLst>
+                        <p:cond delay="indefinite"/>
+                        <p:cond evt="onBegin" delay="0">
+                          <p:tn val="2"/>
+                        </p:cond>
+                      </p:stCondLst>
+                      <p:childTnLst>
+                        <p:par>
+                          <p:cTn id="4" fill="hold">
+                            <p:stCondLst>
+                              <p:cond delay="0"/>
+                            </p:stCondLst>
+                            <p:childTnLst>
+                              <p:par>
+                                <p:cTn id="5" presetID="10" presetClass="entr" presetSubtype="0" fill="hold" grpId="0" nodeType="withEffect">
+                                  <p:stCondLst>
+                                    <p:cond delay="0"/>
+                                  </p:stCondLst>
+                                  <p:childTnLst>
+                                    <p:set>
+                                      <p:cBhvr>
+                                        <p:cTn id="6" dur="1" fill="hold">
+                                          <p:stCondLst>
+                                            <p:cond delay="0"/>
+                                          </p:stCondLst>
+                                        </p:cTn>
+                                        <p:tgtEl>
+                                          <p:spTgt spid="5"/>
+                                        </p:tgtEl>
+                                        <p:attrNameLst>
+                                          <p:attrName>style.visibility</p:attrName>
+                                        </p:attrNameLst>
+                                      </p:cBhvr>
+                                      <p:to>
+                                        <p:strVal val="visible"/>
+                                      </p:to>
+                                    </p:set>
+                                    <p:animEffect transition="in" filter="fade">
+                                      <p:cBhvr>
+                                        <p:cTn id="7" dur="500"/>
+                                        <p:tgtEl>
+                                          <p:spTgt spid="5"/>
+                                        </p:tgtEl>
+                                      </p:cBhvr>
+                                    </p:animEffect>
+                                  </p:childTnLst>
+                                </p:cTn>
+                              </p:par>
+                            </p:childTnLst>
+                          </p:cTn>
+                        </p:par>
+                      </p:childTnLst>
+                    </p:cTn>
+                  </p:par>
+                </p:childTnLst>
+              </p:cTn>
+              <p:prevCondLst>
+                <p:cond evt="onPrev" delay="0">
+                  <p:tgtEl>
+                    <p:sldTgt/>
+                  </p:tgtEl>
+                </p:cond>
+              </p:prevCondLst>
+              <p:nextCondLst>
+                <p:cond evt="onNext" delay="0">
+                  <p:tgtEl>
+                    <p:sldTgt/>
+                  </p:tgtEl>
+                </p:cond>
+              </p:nextCondLst>
+            </p:seq>
+          </p:childTnLst>
+        </p:cTn>
+      </p:par>
+    </p:tnLst>
+    <p:bldLst>
+      <p:bldP spid="5" grpId="0"/>
+    </p:bldLst>
+  </p:timing>
+</p:sld>
+</file>
+
+<file path=ppt/slides/slide6.xml><?xml version="1.0" encoding="utf-8"?>
+<p:sld xmlns:a="http://schemas.openxmlformats.org/drawingml/2006/main" xmlns:r="http://schemas.openxmlformats.org/officeDocument/2006/relationships" xmlns:p="http://schemas.openxmlformats.org/presentationml/2006/main">
+  <p:cSld>
+    <p:bg>
+      <p:bgPr>
+        <a:solidFill>
+          <a:srgbClr val="212322"/>
+        </a:solidFill>
+        <a:effectLst/>
+      </p:bgPr>
+    </p:bg>
+    <p:spTree>
+      <p:nvGrpSpPr>
+        <p:cNvPr id="1" name=""/>
+        <p:cNvGrpSpPr/>
+        <p:nvPr/>
+      </p:nvGrpSpPr>
+      <p:grpSpPr>
+        <a:xfrm>
+          <a:off x="0" y="0"/>
+          <a:ext cx="0" cy="0"/>
+          <a:chOff x="0" y="0"/>
+          <a:chExt cx="0" cy="0"/>
+        </a:xfrm>
+      </p:grpSpPr>
+      <p:sp>
+        <p:nvSpPr>
+          <p:cNvPr id="5" name="CaixaDeTexto 4">
+            <a:extLst>
+              <a:ext uri="{FF2B5EF4-FFF2-40B4-BE49-F238E27FC236}">
+                <a16:creationId xmlns:a16="http://schemas.microsoft.com/office/drawing/2014/main" id="{D27644B0-B93D-489B-BB28-0210083A35AE}"/>
+              </a:ext>
+            </a:extLst>
+          </p:cNvPr>
+          <p:cNvSpPr txBox="1"/>
+          <p:nvPr/>
+        </p:nvSpPr>
+        <p:spPr>
+          <a:xfrm>
+            <a:off x="4705350" y="124490"/>
+            <a:ext cx="2781300" cy="1569660"/>
+          </a:xfrm>
+          <a:prstGeom prst="rect">
+            <a:avLst/>
+          </a:prstGeom>
+          <a:noFill/>
+        </p:spPr>
+        <p:txBody>
+          <a:bodyPr wrap="square" rtlCol="0">
+            <a:spAutoFit/>
+          </a:bodyPr>
+          <a:lstStyle/>
+          <a:p>
+            <a:r>
+              <a:rPr lang="en-US" sz="9600" dirty="0">
+                <a:solidFill>
+                  <a:schemeClr val="bg1"/>
+                </a:solidFill>
+                <a:latin typeface="AvenirNext LT Pro Bold" panose="020B0804020202020204" pitchFamily="34" charset="0"/>
+                <a:cs typeface="Avenir Book" panose="020B0503020203020204" pitchFamily="34" charset="-78"/>
+              </a:rPr>
+              <a:t>LLD</a:t>
+            </a:r>
+          </a:p>
+        </p:txBody>
+      </p:sp>
+      <p:pic>
+        <p:nvPicPr>
+          <p:cNvPr id="6" name="Imagem 5">
+            <a:extLst>
+              <a:ext uri="{FF2B5EF4-FFF2-40B4-BE49-F238E27FC236}">
+                <a16:creationId xmlns:a16="http://schemas.microsoft.com/office/drawing/2014/main" id="{877E4C52-3D9A-4BF3-99DE-838C38249856}"/>
+              </a:ext>
+            </a:extLst>
+          </p:cNvPr>
+          <p:cNvPicPr>
+            <a:picLocks noChangeAspect="1"/>
+          </p:cNvPicPr>
+          <p:nvPr/>
+        </p:nvPicPr>
+        <p:blipFill>
+          <a:blip r:embed="rId2">
+            <a:extLst>
+              <a:ext uri="{28A0092B-C50C-407E-A947-70E740481C1C}">
+                <a14:useLocalDpi xmlns:a14="http://schemas.microsoft.com/office/drawing/2010/main" val="0"/>
+              </a:ext>
+            </a:extLst>
+          </a:blip>
+          <a:stretch>
+            <a:fillRect/>
+          </a:stretch>
+        </p:blipFill>
+        <p:spPr>
+          <a:xfrm>
+            <a:off x="2191372" y="1694150"/>
+            <a:ext cx="7809255" cy="4978400"/>
+          </a:xfrm>
+          <a:prstGeom prst="rect">
+            <a:avLst/>
+          </a:prstGeom>
+        </p:spPr>
+      </p:pic>
+    </p:spTree>
+    <p:extLst>
+      <p:ext uri="{BB962C8B-B14F-4D97-AF65-F5344CB8AC3E}">
+        <p14:creationId xmlns:p14="http://schemas.microsoft.com/office/powerpoint/2010/main" val="4105283711"/>
+      </p:ext>
+    </p:extLst>
+  </p:cSld>
+  <p:clrMapOvr>
+    <a:masterClrMapping/>
+  </p:clrMapOvr>
+  <p:timing>
+    <p:tnLst>
+      <p:par>
+        <p:cTn id="1" dur="indefinite" restart="never" nodeType="tmRoot">
+          <p:childTnLst>
+            <p:seq concurrent="1" nextAc="seek">
+              <p:cTn id="2" dur="indefinite" nodeType="mainSeq">
+                <p:childTnLst>
+                  <p:par>
+                    <p:cTn id="3" fill="hold">
+                      <p:stCondLst>
+                        <p:cond delay="indefinite"/>
+                        <p:cond evt="onBegin" delay="0">
+                          <p:tn val="2"/>
+                        </p:cond>
+                      </p:stCondLst>
+                      <p:childTnLst>
+                        <p:par>
+                          <p:cTn id="4" fill="hold">
+                            <p:stCondLst>
+                              <p:cond delay="0"/>
+                            </p:stCondLst>
+                            <p:childTnLst>
+                              <p:par>
+                                <p:cTn id="5" presetID="10" presetClass="entr" presetSubtype="0" fill="hold" grpId="0" nodeType="withEffect">
+                                  <p:stCondLst>
+                                    <p:cond delay="0"/>
+                                  </p:stCondLst>
+                                  <p:childTnLst>
+                                    <p:set>
+                                      <p:cBhvr>
+                                        <p:cTn id="6" dur="1" fill="hold">
+                                          <p:stCondLst>
+                                            <p:cond delay="0"/>
+                                          </p:stCondLst>
+                                        </p:cTn>
+                                        <p:tgtEl>
+                                          <p:spTgt spid="5"/>
+                                        </p:tgtEl>
+                                        <p:attrNameLst>
+                                          <p:attrName>style.visibility</p:attrName>
+                                        </p:attrNameLst>
+                                      </p:cBhvr>
+                                      <p:to>
+                                        <p:strVal val="visible"/>
+                                      </p:to>
+                                    </p:set>
+                                    <p:animEffect transition="in" filter="fade">
+                                      <p:cBhvr>
+                                        <p:cTn id="7" dur="500"/>
+                                        <p:tgtEl>
+                                          <p:spTgt spid="5"/>
+                                        </p:tgtEl>
+                                      </p:cBhvr>
+                                    </p:animEffect>
+                                  </p:childTnLst>
+                                </p:cTn>
+                              </p:par>
+                            </p:childTnLst>
+                          </p:cTn>
+                        </p:par>
+                      </p:childTnLst>
+                    </p:cTn>
+                  </p:par>
+                </p:childTnLst>
+              </p:cTn>
+              <p:prevCondLst>
+                <p:cond evt="onPrev" delay="0">
+                  <p:tgtEl>
+                    <p:sldTgt/>
+                  </p:tgtEl>
+                </p:cond>
+              </p:prevCondLst>
+              <p:nextCondLst>
+                <p:cond evt="onNext" delay="0">
+                  <p:tgtEl>
+                    <p:sldTgt/>
+                  </p:tgtEl>
+                </p:cond>
+              </p:nextCondLst>
+            </p:seq>
+          </p:childTnLst>
+        </p:cTn>
+      </p:par>
+    </p:tnLst>
+    <p:bldLst>
+      <p:bldP spid="5" grpId="0"/>
+    </p:bldLst>
+  </p:timing>
+</p:sld>
+</file>
+
+<file path=ppt/slides/slide7.xml><?xml version="1.0" encoding="utf-8"?>
 <p:sld xmlns:a="http://schemas.openxmlformats.org/drawingml/2006/main" xmlns:r="http://schemas.openxmlformats.org/officeDocument/2006/relationships" xmlns:p="http://schemas.openxmlformats.org/presentationml/2006/main">
   <p:cSld>
     <p:bg>
